--- a/Syllabus/Lecture04/Lec04.pptx
+++ b/Syllabus/Lecture04/Lec04.pptx
@@ -275,7 +275,7 @@
           <a:p>
             <a:fld id="{DF9C6931-D0F6-AB40-9D7F-95567148A5C2}" type="datetimeFigureOut">
               <a:rPr lang="en-US" smtClean="0"/>
-              <a:t>9/14/23</a:t>
+              <a:t>9/18/23</a:t>
             </a:fld>
             <a:endParaRPr lang="en-US"/>
           </a:p>
@@ -452,7 +452,7 @@
           <a:p>
             <a:fld id="{736C18F2-6801-5147-A332-A6E1C7D69D18}" type="datetimeFigureOut">
               <a:rPr lang="en-US" smtClean="0"/>
-              <a:t>9/14/23</a:t>
+              <a:t>9/18/23</a:t>
             </a:fld>
             <a:endParaRPr lang="en-US"/>
           </a:p>
@@ -12909,10 +12909,10 @@
           </a:p>
           <a:p>
             <a:r>
-              <a:rPr lang="en-US" dirty="0"/>
-              <a:t>left for self-study</a:t>
-            </a:r>
-            <a:endParaRPr dirty="0"/>
+              <a:rPr lang="en-US" i="1" dirty="0"/>
+              <a:t>…left for self-study</a:t>
+            </a:r>
+            <a:endParaRPr i="1" dirty="0"/>
           </a:p>
         </p:txBody>
       </p:sp>

--- a/Syllabus/Lecture04/Lec04.pptx
+++ b/Syllabus/Lecture04/Lec04.pptx
@@ -5,10 +5,10 @@
     <p:sldMasterId id="2147483664" r:id="rId1"/>
   </p:sldMasterIdLst>
   <p:notesMasterIdLst>
-    <p:notesMasterId r:id="rId23"/>
+    <p:notesMasterId r:id="rId28"/>
   </p:notesMasterIdLst>
   <p:handoutMasterIdLst>
-    <p:handoutMasterId r:id="rId24"/>
+    <p:handoutMasterId r:id="rId29"/>
   </p:handoutMasterIdLst>
   <p:sldIdLst>
     <p:sldId id="266" r:id="rId2"/>
@@ -32,6 +32,11 @@
     <p:sldId id="346" r:id="rId20"/>
     <p:sldId id="327" r:id="rId21"/>
     <p:sldId id="347" r:id="rId22"/>
+    <p:sldId id="353" r:id="rId23"/>
+    <p:sldId id="354" r:id="rId24"/>
+    <p:sldId id="355" r:id="rId25"/>
+    <p:sldId id="356" r:id="rId26"/>
+    <p:sldId id="357" r:id="rId27"/>
   </p:sldIdLst>
   <p:sldSz cx="12192000" cy="6858000"/>
   <p:notesSz cx="6858000" cy="9144000"/>
@@ -156,6 +161,11 @@
             <p14:sldId id="346"/>
             <p14:sldId id="327"/>
             <p14:sldId id="347"/>
+            <p14:sldId id="353"/>
+            <p14:sldId id="354"/>
+            <p14:sldId id="355"/>
+            <p14:sldId id="356"/>
+            <p14:sldId id="357"/>
           </p14:sldIdLst>
         </p14:section>
       </p14:sectionLst>
@@ -275,7 +285,7 @@
           <a:p>
             <a:fld id="{DF9C6931-D0F6-AB40-9D7F-95567148A5C2}" type="datetimeFigureOut">
               <a:rPr lang="en-US" smtClean="0"/>
-              <a:t>9/18/23</a:t>
+              <a:t>9/21/23</a:t>
             </a:fld>
             <a:endParaRPr lang="en-US"/>
           </a:p>
@@ -452,7 +462,7 @@
           <a:p>
             <a:fld id="{736C18F2-6801-5147-A332-A6E1C7D69D18}" type="datetimeFigureOut">
               <a:rPr lang="en-US" smtClean="0"/>
-              <a:t>9/18/23</a:t>
+              <a:t>9/21/23</a:t>
             </a:fld>
             <a:endParaRPr lang="en-US"/>
           </a:p>
@@ -13004,6 +13014,156 @@
       <p:bldP spid="96" grpId="0"/>
     </p:bldLst>
   </p:timing>
+</p:sld>
+</file>
+
+<file path=ppt/slides/slide22.xml><?xml version="1.0" encoding="utf-8"?>
+<p:sld xmlns:a="http://schemas.openxmlformats.org/drawingml/2006/main" xmlns:r="http://schemas.openxmlformats.org/officeDocument/2006/relationships" xmlns:p="http://schemas.openxmlformats.org/presentationml/2006/main">
+  <p:cSld>
+    <p:spTree>
+      <p:nvGrpSpPr>
+        <p:cNvPr id="1" name=""/>
+        <p:cNvGrpSpPr/>
+        <p:nvPr/>
+      </p:nvGrpSpPr>
+      <p:grpSpPr>
+        <a:xfrm>
+          <a:off x="0" y="0"/>
+          <a:ext cx="0" cy="0"/>
+          <a:chOff x="0" y="0"/>
+          <a:chExt cx="0" cy="0"/>
+        </a:xfrm>
+      </p:grpSpPr>
+    </p:spTree>
+    <p:extLst>
+      <p:ext uri="{BB962C8B-B14F-4D97-AF65-F5344CB8AC3E}">
+        <p14:creationId xmlns:p14="http://schemas.microsoft.com/office/powerpoint/2010/main" val="4085321992"/>
+      </p:ext>
+    </p:extLst>
+  </p:cSld>
+  <p:clrMapOvr>
+    <a:masterClrMapping/>
+  </p:clrMapOvr>
+</p:sld>
+</file>
+
+<file path=ppt/slides/slide23.xml><?xml version="1.0" encoding="utf-8"?>
+<p:sld xmlns:a="http://schemas.openxmlformats.org/drawingml/2006/main" xmlns:r="http://schemas.openxmlformats.org/officeDocument/2006/relationships" xmlns:p="http://schemas.openxmlformats.org/presentationml/2006/main">
+  <p:cSld>
+    <p:spTree>
+      <p:nvGrpSpPr>
+        <p:cNvPr id="1" name=""/>
+        <p:cNvGrpSpPr/>
+        <p:nvPr/>
+      </p:nvGrpSpPr>
+      <p:grpSpPr>
+        <a:xfrm>
+          <a:off x="0" y="0"/>
+          <a:ext cx="0" cy="0"/>
+          <a:chOff x="0" y="0"/>
+          <a:chExt cx="0" cy="0"/>
+        </a:xfrm>
+      </p:grpSpPr>
+    </p:spTree>
+    <p:extLst>
+      <p:ext uri="{BB962C8B-B14F-4D97-AF65-F5344CB8AC3E}">
+        <p14:creationId xmlns:p14="http://schemas.microsoft.com/office/powerpoint/2010/main" val="3032922172"/>
+      </p:ext>
+    </p:extLst>
+  </p:cSld>
+  <p:clrMapOvr>
+    <a:masterClrMapping/>
+  </p:clrMapOvr>
+</p:sld>
+</file>
+
+<file path=ppt/slides/slide24.xml><?xml version="1.0" encoding="utf-8"?>
+<p:sld xmlns:a="http://schemas.openxmlformats.org/drawingml/2006/main" xmlns:r="http://schemas.openxmlformats.org/officeDocument/2006/relationships" xmlns:p="http://schemas.openxmlformats.org/presentationml/2006/main">
+  <p:cSld>
+    <p:spTree>
+      <p:nvGrpSpPr>
+        <p:cNvPr id="1" name=""/>
+        <p:cNvGrpSpPr/>
+        <p:nvPr/>
+      </p:nvGrpSpPr>
+      <p:grpSpPr>
+        <a:xfrm>
+          <a:off x="0" y="0"/>
+          <a:ext cx="0" cy="0"/>
+          <a:chOff x="0" y="0"/>
+          <a:chExt cx="0" cy="0"/>
+        </a:xfrm>
+      </p:grpSpPr>
+    </p:spTree>
+    <p:extLst>
+      <p:ext uri="{BB962C8B-B14F-4D97-AF65-F5344CB8AC3E}">
+        <p14:creationId xmlns:p14="http://schemas.microsoft.com/office/powerpoint/2010/main" val="2354270063"/>
+      </p:ext>
+    </p:extLst>
+  </p:cSld>
+  <p:clrMapOvr>
+    <a:masterClrMapping/>
+  </p:clrMapOvr>
+</p:sld>
+</file>
+
+<file path=ppt/slides/slide25.xml><?xml version="1.0" encoding="utf-8"?>
+<p:sld xmlns:a="http://schemas.openxmlformats.org/drawingml/2006/main" xmlns:r="http://schemas.openxmlformats.org/officeDocument/2006/relationships" xmlns:p="http://schemas.openxmlformats.org/presentationml/2006/main">
+  <p:cSld>
+    <p:spTree>
+      <p:nvGrpSpPr>
+        <p:cNvPr id="1" name=""/>
+        <p:cNvGrpSpPr/>
+        <p:nvPr/>
+      </p:nvGrpSpPr>
+      <p:grpSpPr>
+        <a:xfrm>
+          <a:off x="0" y="0"/>
+          <a:ext cx="0" cy="0"/>
+          <a:chOff x="0" y="0"/>
+          <a:chExt cx="0" cy="0"/>
+        </a:xfrm>
+      </p:grpSpPr>
+    </p:spTree>
+    <p:extLst>
+      <p:ext uri="{BB962C8B-B14F-4D97-AF65-F5344CB8AC3E}">
+        <p14:creationId xmlns:p14="http://schemas.microsoft.com/office/powerpoint/2010/main" val="2802200575"/>
+      </p:ext>
+    </p:extLst>
+  </p:cSld>
+  <p:clrMapOvr>
+    <a:masterClrMapping/>
+  </p:clrMapOvr>
+</p:sld>
+</file>
+
+<file path=ppt/slides/slide26.xml><?xml version="1.0" encoding="utf-8"?>
+<p:sld xmlns:a="http://schemas.openxmlformats.org/drawingml/2006/main" xmlns:r="http://schemas.openxmlformats.org/officeDocument/2006/relationships" xmlns:p="http://schemas.openxmlformats.org/presentationml/2006/main">
+  <p:cSld>
+    <p:spTree>
+      <p:nvGrpSpPr>
+        <p:cNvPr id="1" name=""/>
+        <p:cNvGrpSpPr/>
+        <p:nvPr/>
+      </p:nvGrpSpPr>
+      <p:grpSpPr>
+        <a:xfrm>
+          <a:off x="0" y="0"/>
+          <a:ext cx="0" cy="0"/>
+          <a:chOff x="0" y="0"/>
+          <a:chExt cx="0" cy="0"/>
+        </a:xfrm>
+      </p:grpSpPr>
+    </p:spTree>
+    <p:extLst>
+      <p:ext uri="{BB962C8B-B14F-4D97-AF65-F5344CB8AC3E}">
+        <p14:creationId xmlns:p14="http://schemas.microsoft.com/office/powerpoint/2010/main" val="4190972648"/>
+      </p:ext>
+    </p:extLst>
+  </p:cSld>
+  <p:clrMapOvr>
+    <a:masterClrMapping/>
+  </p:clrMapOvr>
 </p:sld>
 </file>
 
